--- a/Mshots.pptx
+++ b/Mshots.pptx
@@ -3342,385 +3342,6 @@
           <a:chExt cx="0" cy="0"/>
         </a:xfrm>
       </p:grpSpPr>
-      <p:graphicFrame>
-        <p:nvGraphicFramePr>
-          <p:cNvPr id="4" name="Table 3">
-            <a:extLst>
-              <a:ext uri="{FF2B5EF4-FFF2-40B4-BE49-F238E27FC236}">
-                <a16:creationId xmlns:a16="http://schemas.microsoft.com/office/drawing/2014/main" id="{B9B44B1E-77EC-7F8D-A938-773BF223FCE7}"/>
-              </a:ext>
-            </a:extLst>
-          </p:cNvPr>
-          <p:cNvGraphicFramePr>
-            <a:graphicFrameLocks noGrp="1"/>
-          </p:cNvGraphicFramePr>
-          <p:nvPr>
-            <p:extLst>
-              <p:ext uri="{D42A27DB-BD31-4B8C-83A1-F6EECF244321}">
-                <p14:modId xmlns:p14="http://schemas.microsoft.com/office/powerpoint/2010/main" val="4000802955"/>
-              </p:ext>
-            </p:extLst>
-          </p:nvPr>
-        </p:nvGraphicFramePr>
-        <p:xfrm>
-          <a:off x="1496510" y="1800525"/>
-          <a:ext cx="4462480" cy="3055244"/>
-        </p:xfrm>
-        <a:graphic>
-          <a:graphicData uri="http://schemas.openxmlformats.org/drawingml/2006/table">
-            <a:tbl>
-              <a:tblPr/>
-              <a:tblGrid>
-                <a:gridCol w="2231240">
-                  <a:extLst>
-                    <a:ext uri="{9D8B030D-6E8A-4147-A177-3AD203B41FA5}">
-                      <a16:colId xmlns:a16="http://schemas.microsoft.com/office/drawing/2014/main" val="887037793"/>
-                    </a:ext>
-                  </a:extLst>
-                </a:gridCol>
-                <a:gridCol w="2231240">
-                  <a:extLst>
-                    <a:ext uri="{9D8B030D-6E8A-4147-A177-3AD203B41FA5}">
-                      <a16:colId xmlns:a16="http://schemas.microsoft.com/office/drawing/2014/main" val="1325419853"/>
-                    </a:ext>
-                  </a:extLst>
-                </a:gridCol>
-              </a:tblGrid>
-              <a:tr h="329026">
-                <a:tc>
-                  <a:txBody>
-                    <a:bodyPr/>
-                    <a:lstStyle/>
-                    <a:p>
-                      <a:r>
-                        <a:rPr lang="nl-NL" sz="1100" b="1"/>
-                        <a:t>Prompt Type</a:t>
-                      </a:r>
-                      <a:endParaRPr lang="nl-NL" sz="1100"/>
-                    </a:p>
-                  </a:txBody>
-                  <a:tcPr marL="55786" marR="55786" marT="27893" marB="27893" anchor="ctr">
-                    <a:lnL>
-                      <a:noFill/>
-                    </a:lnL>
-                    <a:lnR>
-                      <a:noFill/>
-                    </a:lnR>
-                    <a:lnT>
-                      <a:noFill/>
-                    </a:lnT>
-                    <a:lnB>
-                      <a:noFill/>
-                    </a:lnB>
-                    <a:noFill/>
-                  </a:tcPr>
-                </a:tc>
-                <a:tc>
-                  <a:txBody>
-                    <a:bodyPr/>
-                    <a:lstStyle/>
-                    <a:p>
-                      <a:r>
-                        <a:rPr lang="nl-NL" sz="1100" b="1" dirty="0"/>
-                        <a:t>Findings</a:t>
-                      </a:r>
-                      <a:endParaRPr lang="nl-NL" sz="1100" dirty="0"/>
-                    </a:p>
-                  </a:txBody>
-                  <a:tcPr marL="55786" marR="55786" marT="27893" marB="27893" anchor="ctr">
-                    <a:lnL>
-                      <a:noFill/>
-                    </a:lnL>
-                    <a:lnR>
-                      <a:noFill/>
-                    </a:lnR>
-                    <a:lnT>
-                      <a:noFill/>
-                    </a:lnT>
-                    <a:lnB>
-                      <a:noFill/>
-                    </a:lnB>
-                    <a:noFill/>
-                  </a:tcPr>
-                </a:tc>
-                <a:extLst>
-                  <a:ext uri="{0D108BD9-81ED-4DB2-BD59-A6C34878D82A}">
-                    <a16:rowId xmlns:a16="http://schemas.microsoft.com/office/drawing/2014/main" val="384856167"/>
-                  </a:ext>
-                </a:extLst>
-              </a:tr>
-              <a:tr h="470038">
-                <a:tc>
-                  <a:txBody>
-                    <a:bodyPr/>
-                    <a:lstStyle/>
-                    <a:p>
-                      <a:r>
-                        <a:rPr lang="nl-NL" sz="1100" b="1"/>
-                        <a:t>Zero-Shot</a:t>
-                      </a:r>
-                      <a:endParaRPr lang="nl-NL" sz="1100"/>
-                    </a:p>
-                  </a:txBody>
-                  <a:tcPr marL="55786" marR="55786" marT="27893" marB="27893" anchor="ctr">
-                    <a:lnL>
-                      <a:noFill/>
-                    </a:lnL>
-                    <a:lnR>
-                      <a:noFill/>
-                    </a:lnR>
-                    <a:lnT>
-                      <a:noFill/>
-                    </a:lnT>
-                    <a:lnB>
-                      <a:noFill/>
-                    </a:lnB>
-                    <a:noFill/>
-                  </a:tcPr>
-                </a:tc>
-                <a:tc>
-                  <a:txBody>
-                    <a:bodyPr/>
-                    <a:lstStyle/>
-                    <a:p>
-                      <a:r>
-                        <a:rPr lang="nl-NL" sz="1100" dirty="0"/>
-                        <a:t>Poor. Unpredictable output.</a:t>
-                      </a:r>
-                    </a:p>
-                  </a:txBody>
-                  <a:tcPr marL="55786" marR="55786" marT="27893" marB="27893" anchor="ctr">
-                    <a:lnL>
-                      <a:noFill/>
-                    </a:lnL>
-                    <a:lnR>
-                      <a:noFill/>
-                    </a:lnR>
-                    <a:lnT>
-                      <a:noFill/>
-                    </a:lnT>
-                    <a:lnB>
-                      <a:noFill/>
-                    </a:lnB>
-                    <a:noFill/>
-                  </a:tcPr>
-                </a:tc>
-                <a:extLst>
-                  <a:ext uri="{0D108BD9-81ED-4DB2-BD59-A6C34878D82A}">
-                    <a16:rowId xmlns:a16="http://schemas.microsoft.com/office/drawing/2014/main" val="1242006434"/>
-                  </a:ext>
-                </a:extLst>
-              </a:tr>
-              <a:tr h="611049">
-                <a:tc>
-                  <a:txBody>
-                    <a:bodyPr/>
-                    <a:lstStyle/>
-                    <a:p>
-                      <a:pPr marL="0" marR="0" lvl="0" indent="0" algn="l" defTabSz="914400" rtl="0" eaLnBrk="1" fontAlgn="auto" latinLnBrk="0" hangingPunct="1">
-                        <a:lnSpc>
-                          <a:spcPct val="100000"/>
-                        </a:lnSpc>
-                        <a:spcBef>
-                          <a:spcPts val="0"/>
-                        </a:spcBef>
-                        <a:spcAft>
-                          <a:spcPts val="0"/>
-                        </a:spcAft>
-                        <a:buClrTx/>
-                        <a:buSzTx/>
-                        <a:buFontTx/>
-                        <a:buNone/>
-                        <a:tabLst/>
-                        <a:defRPr/>
-                      </a:pPr>
-                      <a:r>
-                        <a:rPr lang="nl-NL" sz="1100" b="1" dirty="0"/>
-                        <a:t>Few-Shot, Multi-Turn Few-Shot</a:t>
-                      </a:r>
-                      <a:endParaRPr lang="nl-NL" sz="1100" dirty="0"/>
-                    </a:p>
-                    <a:p>
-                      <a:endParaRPr lang="nl-NL" sz="1100" dirty="0"/>
-                    </a:p>
-                  </a:txBody>
-                  <a:tcPr marL="55786" marR="55786" marT="27893" marB="27893" anchor="ctr">
-                    <a:lnL>
-                      <a:noFill/>
-                    </a:lnL>
-                    <a:lnR>
-                      <a:noFill/>
-                    </a:lnR>
-                    <a:lnT>
-                      <a:noFill/>
-                    </a:lnT>
-                    <a:lnB>
-                      <a:noFill/>
-                    </a:lnB>
-                    <a:noFill/>
-                  </a:tcPr>
-                </a:tc>
-                <a:tc>
-                  <a:txBody>
-                    <a:bodyPr/>
-                    <a:lstStyle/>
-                    <a:p>
-                      <a:r>
-                        <a:rPr lang="nl-NL" sz="1100" dirty="0"/>
-                        <a:t>Learns with enough examples.</a:t>
-                      </a:r>
-                    </a:p>
-                  </a:txBody>
-                  <a:tcPr marL="55786" marR="55786" marT="27893" marB="27893" anchor="ctr">
-                    <a:lnL>
-                      <a:noFill/>
-                    </a:lnL>
-                    <a:lnR>
-                      <a:noFill/>
-                    </a:lnR>
-                    <a:lnT>
-                      <a:noFill/>
-                    </a:lnT>
-                    <a:lnB>
-                      <a:noFill/>
-                    </a:lnB>
-                    <a:noFill/>
-                  </a:tcPr>
-                </a:tc>
-                <a:extLst>
-                  <a:ext uri="{0D108BD9-81ED-4DB2-BD59-A6C34878D82A}">
-                    <a16:rowId xmlns:a16="http://schemas.microsoft.com/office/drawing/2014/main" val="2784157501"/>
-                  </a:ext>
-                </a:extLst>
-              </a:tr>
-              <a:tr h="752060">
-                <a:tc>
-                  <a:txBody>
-                    <a:bodyPr/>
-                    <a:lstStyle/>
-                    <a:p>
-                      <a:r>
-                        <a:rPr lang="nl-NL" sz="1100" b="1" dirty="0"/>
-                        <a:t>Template-Based Few-Shot</a:t>
-                      </a:r>
-                      <a:endParaRPr lang="nl-NL" sz="1100" dirty="0"/>
-                    </a:p>
-                  </a:txBody>
-                  <a:tcPr marL="55786" marR="55786" marT="27893" marB="27893" anchor="ctr">
-                    <a:lnL>
-                      <a:noFill/>
-                    </a:lnL>
-                    <a:lnR>
-                      <a:noFill/>
-                    </a:lnR>
-                    <a:lnT>
-                      <a:noFill/>
-                    </a:lnT>
-                    <a:lnB>
-                      <a:noFill/>
-                    </a:lnB>
-                    <a:noFill/>
-                  </a:tcPr>
-                </a:tc>
-                <a:tc>
-                  <a:txBody>
-                    <a:bodyPr/>
-                    <a:lstStyle/>
-                    <a:p>
-                      <a:r>
-                        <a:rPr lang="en-US" sz="1100" dirty="0"/>
-                        <a:t>Good if instructed to follow provided format even with minimal example.</a:t>
-                      </a:r>
-                    </a:p>
-                  </a:txBody>
-                  <a:tcPr marL="55786" marR="55786" marT="27893" marB="27893" anchor="ctr">
-                    <a:lnL>
-                      <a:noFill/>
-                    </a:lnL>
-                    <a:lnR>
-                      <a:noFill/>
-                    </a:lnR>
-                    <a:lnT>
-                      <a:noFill/>
-                    </a:lnT>
-                    <a:lnB>
-                      <a:noFill/>
-                    </a:lnB>
-                    <a:noFill/>
-                  </a:tcPr>
-                </a:tc>
-                <a:extLst>
-                  <a:ext uri="{0D108BD9-81ED-4DB2-BD59-A6C34878D82A}">
-                    <a16:rowId xmlns:a16="http://schemas.microsoft.com/office/drawing/2014/main" val="4106343244"/>
-                  </a:ext>
-                </a:extLst>
-              </a:tr>
-              <a:tr h="893071">
-                <a:tc>
-                  <a:txBody>
-                    <a:bodyPr/>
-                    <a:lstStyle/>
-                    <a:p>
-                      <a:r>
-                        <a:rPr lang="nl-NL" sz="1100" b="1"/>
-                        <a:t>Chain-of-Thought (CoT)</a:t>
-                      </a:r>
-                      <a:endParaRPr lang="nl-NL" sz="1100"/>
-                    </a:p>
-                  </a:txBody>
-                  <a:tcPr marL="55786" marR="55786" marT="27893" marB="27893" anchor="ctr">
-                    <a:lnL>
-                      <a:noFill/>
-                    </a:lnL>
-                    <a:lnR>
-                      <a:noFill/>
-                    </a:lnR>
-                    <a:lnT>
-                      <a:noFill/>
-                    </a:lnT>
-                    <a:lnB>
-                      <a:noFill/>
-                    </a:lnB>
-                    <a:noFill/>
-                  </a:tcPr>
-                </a:tc>
-                <a:tc>
-                  <a:txBody>
-                    <a:bodyPr/>
-                    <a:lstStyle/>
-                    <a:p>
-                      <a:r>
-                        <a:rPr lang="en-US" sz="1100" dirty="0"/>
-                        <a:t>Informative but less compact</a:t>
-                      </a:r>
-                    </a:p>
-                  </a:txBody>
-                  <a:tcPr marL="55786" marR="55786" marT="27893" marB="27893" anchor="ctr">
-                    <a:lnL>
-                      <a:noFill/>
-                    </a:lnL>
-                    <a:lnR>
-                      <a:noFill/>
-                    </a:lnR>
-                    <a:lnT>
-                      <a:noFill/>
-                    </a:lnT>
-                    <a:lnB>
-                      <a:noFill/>
-                    </a:lnB>
-                    <a:noFill/>
-                  </a:tcPr>
-                </a:tc>
-                <a:extLst>
-                  <a:ext uri="{0D108BD9-81ED-4DB2-BD59-A6C34878D82A}">
-                    <a16:rowId xmlns:a16="http://schemas.microsoft.com/office/drawing/2014/main" val="1665161408"/>
-                  </a:ext>
-                </a:extLst>
-              </a:tr>
-            </a:tbl>
-          </a:graphicData>
-        </a:graphic>
-      </p:graphicFrame>
       <p:sp>
         <p:nvSpPr>
           <p:cNvPr id="6" name="TextBox 5">
@@ -3735,8 +3356,8 @@
         </p:nvSpPr>
         <p:spPr>
           <a:xfrm>
-            <a:off x="1010211" y="1048435"/>
-            <a:ext cx="10581154" cy="369332"/>
+            <a:off x="1002946" y="900518"/>
+            <a:ext cx="10581154" cy="4524315"/>
           </a:xfrm>
           <a:prstGeom prst="rect">
             <a:avLst/>
@@ -3751,8 +3372,129 @@
           <a:p>
             <a:r>
               <a:rPr lang="en-US" dirty="0"/>
-              <a:t>Know what you information and format that you do not want to miss and be explicit about it in the prompt.</a:t>
-            </a:r>
+              <a:t>It is difficult to make the model hallucinate or produce incorrect information</a:t>
+            </a:r>
+            <a:r>
+              <a:rPr lang="en-US" b="1" dirty="0"/>
+              <a:t>.</a:t>
+            </a:r>
+            <a:endParaRPr lang="en-US" dirty="0"/>
+          </a:p>
+          <a:p>
+            <a:r>
+              <a:rPr lang="en-US" dirty="0"/>
+              <a:t>So take advantage of the system prompt to set the context and the format of the response you want</a:t>
+            </a:r>
+            <a:r>
+              <a:rPr lang="en-US" b="1" dirty="0"/>
+              <a:t>.</a:t>
+            </a:r>
+            <a:endParaRPr lang="en-US" dirty="0"/>
+          </a:p>
+          <a:p>
+            <a:r>
+              <a:rPr lang="en-US" dirty="0"/>
+              <a:t>Know what you information and format that you do not want to miss and be explicit about it in the prompt</a:t>
+            </a:r>
+            <a:r>
+              <a:rPr lang="en-US" b="1" dirty="0"/>
+              <a:t>.</a:t>
+            </a:r>
+            <a:endParaRPr lang="en-US" dirty="0"/>
+          </a:p>
+          <a:p>
+            <a:r>
+              <a:rPr lang="en-US" dirty="0"/>
+              <a:t>Do not use temperature=2</a:t>
+            </a:r>
+            <a:r>
+              <a:rPr lang="en-US" b="1" dirty="0"/>
+              <a:t>.</a:t>
+            </a:r>
+            <a:r>
+              <a:rPr lang="en-US" dirty="0"/>
+              <a:t> It makes its responses </a:t>
+            </a:r>
+            <a:r>
+              <a:rPr lang="en-US" dirty="0" err="1"/>
+              <a:t>giberish</a:t>
+            </a:r>
+            <a:r>
+              <a:rPr lang="en-US" b="1" dirty="0"/>
+              <a:t>.</a:t>
+            </a:r>
+            <a:endParaRPr lang="en-US" dirty="0"/>
+          </a:p>
+          <a:p>
+            <a:endParaRPr lang="en-US" dirty="0"/>
+          </a:p>
+          <a:p>
+            <a:r>
+              <a:rPr lang="nl-NL" dirty="0"/>
+              <a:t>Same observation as what was taught...</a:t>
+            </a:r>
+          </a:p>
+          <a:p>
+            <a:r>
+              <a:rPr lang="nl-NL" b="1" dirty="0"/>
+              <a:t>Zero-Shot is </a:t>
+            </a:r>
+            <a:r>
+              <a:rPr lang="nl-NL" dirty="0"/>
+              <a:t>poor and has unpredictable output. </a:t>
+            </a:r>
+            <a:r>
+              <a:rPr lang="nl-NL" b="1" dirty="0"/>
+              <a:t>Few-Shot, Multi-Turn Few-Shot </a:t>
+            </a:r>
+            <a:r>
+              <a:rPr lang="nl-NL" dirty="0"/>
+              <a:t>learn with enough examples.</a:t>
+            </a:r>
+            <a:r>
+              <a:rPr lang="nl-NL" b="1" dirty="0"/>
+              <a:t> Template-Based Few-Shot </a:t>
+            </a:r>
+            <a:r>
+              <a:rPr lang="nl-NL" dirty="0"/>
+              <a:t>is</a:t>
+            </a:r>
+            <a:r>
+              <a:rPr lang="nl-NL" b="1" dirty="0"/>
+              <a:t> </a:t>
+            </a:r>
+            <a:r>
+              <a:rPr lang="en-US" dirty="0"/>
+              <a:t>good if instructed to follow provided format even with minimal example. </a:t>
+            </a:r>
+            <a:r>
+              <a:rPr lang="nl-NL" b="1" dirty="0"/>
+              <a:t>Chain-of-Thought (CoT) </a:t>
+            </a:r>
+            <a:r>
+              <a:rPr lang="nl-NL" dirty="0"/>
+              <a:t>is informative but less compact.</a:t>
+            </a:r>
+          </a:p>
+          <a:p>
+            <a:endParaRPr lang="en-US" dirty="0"/>
+          </a:p>
+          <a:p>
+            <a:endParaRPr lang="nl-NL" dirty="0"/>
+          </a:p>
+          <a:p>
+            <a:endParaRPr lang="nl-NL" dirty="0"/>
+          </a:p>
+          <a:p>
+            <a:endParaRPr lang="nl-NL" dirty="0"/>
+          </a:p>
+          <a:p>
+            <a:endParaRPr lang="nl-NL" dirty="0"/>
+          </a:p>
+          <a:p>
+            <a:endParaRPr lang="nl-NL" dirty="0"/>
+          </a:p>
+          <a:p>
             <a:endParaRPr lang="en-NL" dirty="0"/>
           </a:p>
         </p:txBody>
